--- a/lectures3/Pythonlearn-07-Files-PL.pptx
+++ b/lectures3/Pythonlearn-07-Files-PL.pptx
@@ -4838,7 +4838,7 @@
               <a:buNone/>
             </a:pPr>
             <a:r>
-              <a:rPr lang="pl" sz="7600" b="0" i="0" u="none" strike="noStrike" cap="none" baseline="0">
+              <a:rPr lang="pl" sz="7600" b="0" i="0" u="none" strike="noStrike" cap="none" baseline="0" dirty="0">
                 <a:solidFill>
                   <a:srgbClr val="FFD966"/>
                 </a:solidFill>

--- a/lectures3/Pythonlearn-07-Files-PL.pptx
+++ b/lectures3/Pythonlearn-07-Files-PL.pptx
@@ -5901,7 +5901,43 @@
                 <a:cs typeface="Arial" charset="0"/>
                 <a:sym typeface="Cabin"/>
               </a:rPr>
-              <a:t> ciągów znaków, w której każda linia pliku jest jednym ciągiem</a:t>
+              <a:t> </a:t>
+            </a:r>
+            <a:r>
+              <a:rPr lang="pl-PL" sz="3400" b="0" i="0" u="none" strike="noStrike" cap="none" baseline="0" dirty="0">
+                <a:solidFill>
+                  <a:schemeClr val="lt1"/>
+                </a:solidFill>
+                <a:latin typeface="Arial" charset="0"/>
+                <a:ea typeface="Arial" charset="0"/>
+                <a:cs typeface="Arial" charset="0"/>
+                <a:sym typeface="Cabin"/>
+              </a:rPr>
+              <a:t>napisów</a:t>
+            </a:r>
+            <a:r>
+              <a:rPr lang="pl" sz="3400" b="0" i="0" u="none" strike="noStrike" cap="none" baseline="0" dirty="0">
+                <a:solidFill>
+                  <a:schemeClr val="lt1"/>
+                </a:solidFill>
+                <a:latin typeface="Arial" charset="0"/>
+                <a:ea typeface="Arial" charset="0"/>
+                <a:cs typeface="Arial" charset="0"/>
+                <a:sym typeface="Cabin"/>
+              </a:rPr>
+              <a:t>, w której każda linia pliku jest jednym </a:t>
+            </a:r>
+            <a:r>
+              <a:rPr lang="pl-PL" sz="3400" b="0" i="0" u="none" strike="noStrike" cap="none" baseline="0" dirty="0">
+                <a:solidFill>
+                  <a:schemeClr val="lt1"/>
+                </a:solidFill>
+                <a:latin typeface="Arial" charset="0"/>
+                <a:ea typeface="Arial" charset="0"/>
+                <a:cs typeface="Arial" charset="0"/>
+                <a:sym typeface="Cabin"/>
+              </a:rPr>
+              <a:t>napisem</a:t>
             </a:r>
           </a:p>
           <a:p>
@@ -7300,7 +7336,31 @@
                 <a:cs typeface="Arial" charset="0"/>
                 <a:sym typeface="Cabin"/>
               </a:rPr>
-              <a:t>Wczytywanie *całego* pliku</a:t>
+              <a:t>Wczytywanie </a:t>
+            </a:r>
+            <a:r>
+              <a:rPr lang="pl" sz="7600" b="1" i="0" u="none" strike="noStrike" cap="none" baseline="0" dirty="0">
+                <a:solidFill>
+                  <a:srgbClr val="FFD966"/>
+                </a:solidFill>
+                <a:latin typeface="Arial" charset="0"/>
+                <a:ea typeface="Arial" charset="0"/>
+                <a:cs typeface="Arial" charset="0"/>
+                <a:sym typeface="Cabin"/>
+              </a:rPr>
+              <a:t>całego</a:t>
+            </a:r>
+            <a:r>
+              <a:rPr lang="pl" sz="7600" b="0" i="0" u="none" strike="noStrike" cap="none" baseline="0" dirty="0">
+                <a:solidFill>
+                  <a:srgbClr val="FFD966"/>
+                </a:solidFill>
+                <a:latin typeface="Arial" charset="0"/>
+                <a:ea typeface="Arial" charset="0"/>
+                <a:cs typeface="Arial" charset="0"/>
+                <a:sym typeface="Cabin"/>
+              </a:rPr>
+              <a:t> pliku</a:t>
             </a:r>
           </a:p>
         </p:txBody>
@@ -7351,7 +7411,7 @@
               <a:buNone/>
             </a:pPr>
             <a:r>
-              <a:rPr lang="pl" sz="3400" b="0" i="0" u="none" strike="noStrike" cap="none" baseline="0">
+              <a:rPr lang="pl" sz="3400" b="0" i="0" u="none" strike="noStrike" cap="none" baseline="0" dirty="0">
                 <a:solidFill>
                   <a:schemeClr val="lt1"/>
                 </a:solidFill>
@@ -7363,7 +7423,7 @@
               <a:t>Możemy </a:t>
             </a:r>
             <a:r>
-              <a:rPr lang="pl" sz="3400" b="0" i="0" u="none" strike="noStrike" cap="none" baseline="0">
+              <a:rPr lang="pl" sz="3400" b="0" i="0" u="none" strike="noStrike" cap="none" baseline="0" dirty="0">
                 <a:solidFill>
                   <a:srgbClr val="FF7F00"/>
                 </a:solidFill>
@@ -7375,7 +7435,7 @@
               <a:t>wczytać</a:t>
             </a:r>
             <a:r>
-              <a:rPr lang="pl" sz="3400" b="0" i="0" u="none" strike="noStrike" cap="none" baseline="0">
+              <a:rPr lang="pl" sz="3400" b="0" i="0" u="none" strike="noStrike" cap="none" baseline="0" dirty="0">
                 <a:solidFill>
                   <a:schemeClr val="lt1"/>
                 </a:solidFill>
@@ -7387,7 +7447,7 @@
               <a:t> cały plik (razem ze znakami końca linii) do </a:t>
             </a:r>
             <a:r>
-              <a:rPr lang="pl" sz="3400" b="0" i="0" u="none" strike="noStrike" cap="none" baseline="0">
+              <a:rPr lang="pl" sz="3400" b="0" i="0" u="none" strike="noStrike" cap="none" baseline="0" dirty="0">
                 <a:solidFill>
                   <a:srgbClr val="00FFFF"/>
                 </a:solidFill>
@@ -7396,7 +7456,19 @@
                 <a:cs typeface="Arial" charset="0"/>
                 <a:sym typeface="Cabin"/>
               </a:rPr>
-              <a:t>jednego ciągu znaków</a:t>
+              <a:t>jednego </a:t>
+            </a:r>
+            <a:r>
+              <a:rPr lang="pl-PL" sz="3400" b="0" i="0" u="none" strike="noStrike" cap="none" baseline="0" dirty="0">
+                <a:solidFill>
+                  <a:srgbClr val="00FFFF"/>
+                </a:solidFill>
+                <a:latin typeface="Arial" charset="0"/>
+                <a:ea typeface="Arial" charset="0"/>
+                <a:cs typeface="Arial" charset="0"/>
+                <a:sym typeface="Cabin"/>
+              </a:rPr>
+              <a:t>napisu</a:t>
             </a:r>
           </a:p>
         </p:txBody>
@@ -9038,7 +9110,7 @@
               <a:buFont typeface="Cabin"/>
             </a:pPr>
             <a:r>
-              <a:rPr lang="en-US" sz="3400" b="0" i="0" u="none" baseline="0" dirty="0" err="1">
+              <a:rPr lang="pl-PL" sz="3400" b="0" i="0" u="none" baseline="0" dirty="0">
                 <a:solidFill>
                   <a:schemeClr val="lt1"/>
                 </a:solidFill>
@@ -9748,11 +9820,35 @@
                 <a:cs typeface="Arial" charset="0"/>
                 <a:sym typeface="Cabin"/>
               </a:rPr>
-              <a:t>strony ciągu, używając </a:t>
+              <a:t>strony </a:t>
+            </a:r>
+            <a:r>
+              <a:rPr lang="pl-PL" sz="3400" b="0" i="0" u="none" strike="noStrike" cap="none" baseline="0" dirty="0">
+                <a:solidFill>
+                  <a:schemeClr val="lt1"/>
+                </a:solidFill>
+                <a:latin typeface="Arial" charset="0"/>
+                <a:ea typeface="Arial" charset="0"/>
+                <a:cs typeface="Arial" charset="0"/>
+                <a:sym typeface="Cabin"/>
+              </a:rPr>
+              <a:t>napisu</a:t>
             </a:r>
             <a:r>
               <a:rPr lang="pl" sz="3400" b="0" i="0" u="none" strike="noStrike" cap="none" baseline="0" dirty="0">
                 <a:solidFill>
+                  <a:schemeClr val="lt1"/>
+                </a:solidFill>
+                <a:latin typeface="Arial" charset="0"/>
+                <a:ea typeface="Arial" charset="0"/>
+                <a:cs typeface="Arial" charset="0"/>
+                <a:sym typeface="Cabin"/>
+              </a:rPr>
+              <a:t>, używając </a:t>
+            </a:r>
+            <a:r>
+              <a:rPr lang="pl" sz="3400" b="0" i="0" u="none" strike="noStrike" cap="none" baseline="0" dirty="0">
+                <a:solidFill>
                   <a:srgbClr val="FF7F00"/>
                 </a:solidFill>
                 <a:latin typeface="Arial" charset="0"/>
@@ -9772,7 +9868,19 @@
                 <a:cs typeface="Arial" charset="0"/>
                 <a:sym typeface="Cabin"/>
               </a:rPr>
-              <a:t>() z biblioteki ciągów</a:t>
+              <a:t>() z biblioteki </a:t>
+            </a:r>
+            <a:r>
+              <a:rPr lang="pl-PL" sz="3400" b="0" i="0" u="none" strike="noStrike" cap="none" baseline="0" dirty="0">
+                <a:solidFill>
+                  <a:schemeClr val="lt1"/>
+                </a:solidFill>
+                <a:latin typeface="Arial" charset="0"/>
+                <a:ea typeface="Arial" charset="0"/>
+                <a:cs typeface="Arial" charset="0"/>
+                <a:sym typeface="Cabin"/>
+              </a:rPr>
+              <a:t>napisów</a:t>
             </a:r>
           </a:p>
           <a:p>
@@ -12746,7 +12854,31 @@
                 <a:cs typeface="Arial" charset="0"/>
                 <a:sym typeface="Cabin"/>
               </a:rPr>
-              <a:t>Możemy użyć wyszukania ciągu gdziekolwiek </a:t>
+              <a:t>Możemy użyć wyszukania </a:t>
+            </a:r>
+            <a:r>
+              <a:rPr lang="en-US" sz="3600" b="0" i="0" u="none" strike="noStrike" cap="none" baseline="0" dirty="0">
+                <a:solidFill>
+                  <a:schemeClr val="lt1"/>
+                </a:solidFill>
+                <a:latin typeface="Arial" charset="0"/>
+                <a:ea typeface="Arial" charset="0"/>
+                <a:cs typeface="Arial" charset="0"/>
+                <a:sym typeface="Cabin"/>
+              </a:rPr>
+              <a:t>pod</a:t>
+            </a:r>
+            <a:r>
+              <a:rPr lang="pl" sz="3600" b="0" i="0" u="none" strike="noStrike" cap="none" baseline="0" dirty="0">
+                <a:solidFill>
+                  <a:schemeClr val="lt1"/>
+                </a:solidFill>
+                <a:latin typeface="Arial" charset="0"/>
+                <a:ea typeface="Arial" charset="0"/>
+                <a:cs typeface="Arial" charset="0"/>
+                <a:sym typeface="Cabin"/>
+              </a:rPr>
+              <a:t>ciągu gdziekolwiek </a:t>
             </a:r>
             <a:r>
               <a:rPr lang="pl" sz="3600" b="0" i="0" u="none" strike="noStrike" cap="none" baseline="0" dirty="0">
@@ -18052,7 +18184,19 @@
                 <a:cs typeface="Arial" charset="0"/>
                 <a:sym typeface="Cabin"/>
               </a:rPr>
-              <a:t>nazwa pliku jest ciągiem znaków</a:t>
+              <a:t>nazwa pliku jest </a:t>
+            </a:r>
+            <a:r>
+              <a:rPr lang="pl-PL" sz="3600" b="0" i="0" u="none" strike="noStrike" cap="none" baseline="0" dirty="0">
+                <a:solidFill>
+                  <a:srgbClr val="00FFFF"/>
+                </a:solidFill>
+                <a:latin typeface="Arial" charset="0"/>
+                <a:ea typeface="Arial" charset="0"/>
+                <a:cs typeface="Arial" charset="0"/>
+                <a:sym typeface="Cabin"/>
+              </a:rPr>
+              <a:t>napisem</a:t>
             </a:r>
           </a:p>
           <a:p>
@@ -19106,7 +19250,31 @@
                 <a:cs typeface="Arial" charset="0"/>
                 <a:sym typeface="Cabin"/>
               </a:rPr>
-              <a:t>W ciągach jest reprezentowany przez </a:t>
+              <a:t>W </a:t>
+            </a:r>
+            <a:r>
+              <a:rPr lang="pl-PL" sz="3600" b="0" i="0" u="none" strike="noStrike" cap="none" baseline="0" dirty="0">
+                <a:solidFill>
+                  <a:schemeClr val="lt1"/>
+                </a:solidFill>
+                <a:latin typeface="Arial" charset="0"/>
+                <a:ea typeface="Arial" charset="0"/>
+                <a:cs typeface="Arial" charset="0"/>
+                <a:sym typeface="Cabin"/>
+              </a:rPr>
+              <a:t>napisach</a:t>
+            </a:r>
+            <a:r>
+              <a:rPr lang="pl" sz="3600" b="0" i="0" u="none" strike="noStrike" cap="none" baseline="0" dirty="0">
+                <a:solidFill>
+                  <a:schemeClr val="lt1"/>
+                </a:solidFill>
+                <a:latin typeface="Arial" charset="0"/>
+                <a:ea typeface="Arial" charset="0"/>
+                <a:cs typeface="Arial" charset="0"/>
+                <a:sym typeface="Cabin"/>
+              </a:rPr>
+              <a:t> jest reprezentowany przez </a:t>
             </a:r>
             <a:r>
               <a:rPr lang="pl" sz="3600" b="0" i="0" u="none" strike="noStrike" cap="none" baseline="0" dirty="0">
